--- a/Carla API 学习分享.pptx
+++ b/Carla API 学习分享.pptx
@@ -131,6 +131,11 @@
       </a:defRPr>
     </a:lvl9pPr>
   </p:defaultTextStyle>
+  <p:extLst>
+    <p:ext uri="{EFAFB233-063F-42B5-8137-9DF3F51BA10A}">
+      <p15:sldGuideLst xmlns:p15="http://schemas.microsoft.com/office/powerpoint/2012/main"/>
+    </p:ext>
+  </p:extLst>
 </p:presentation>
 </file>
 
@@ -8132,7 +8137,7 @@
           <a:bodyPr/>
           <a:lstStyle/>
           <a:p>
-            <a:endParaRPr lang="zh-CN" altLang="en-US"/>
+            <a:endParaRPr lang="zh-CN" altLang="en-US" dirty="0"/>
           </a:p>
         </p:txBody>
       </p:sp>
@@ -8157,7 +8162,72 @@
           <a:bodyPr/>
           <a:lstStyle/>
           <a:p>
-            <a:endParaRPr lang="zh-CN" altLang="en-US"/>
+            <a:r>
+              <a:rPr lang="en-US" altLang="zh-CN" dirty="0">
+                <a:hlinkClick r:id="rId2"/>
+              </a:rPr>
+              <a:t>Actors (</a:t>
+            </a:r>
+            <a:r>
+              <a:rPr lang="en-US" altLang="zh-CN" dirty="0" err="1">
+                <a:hlinkClick r:id="rId2"/>
+              </a:rPr>
+              <a:t>carla.org.c</a:t>
+            </a:r>
+            <a:endParaRPr lang="en-US" altLang="zh-CN" dirty="0">
+              <a:hlinkClick r:id="rId2"/>
+            </a:endParaRPr>
+          </a:p>
+          <a:p>
+            <a:r>
+              <a:rPr lang="en-US" altLang="zh-CN" dirty="0">
+                <a:hlinkClick r:id="rId3"/>
+              </a:rPr>
+              <a:t>Carla Python </a:t>
+            </a:r>
+            <a:r>
+              <a:rPr lang="zh-CN" altLang="en-US" dirty="0">
+                <a:hlinkClick r:id="rId3"/>
+              </a:rPr>
+              <a:t>的 </a:t>
+            </a:r>
+            <a:r>
+              <a:rPr lang="en-US" altLang="zh-CN" dirty="0">
+                <a:hlinkClick r:id="rId3"/>
+              </a:rPr>
+              <a:t>API </a:t>
+            </a:r>
+            <a:r>
+              <a:rPr lang="zh-CN" altLang="en-US" dirty="0">
+                <a:hlinkClick r:id="rId3"/>
+              </a:rPr>
+              <a:t>架构设计 </a:t>
+            </a:r>
+            <a:r>
+              <a:rPr lang="en-US" altLang="zh-CN" dirty="0">
+                <a:hlinkClick r:id="rId3"/>
+              </a:rPr>
+              <a:t>- </a:t>
+            </a:r>
+            <a:r>
+              <a:rPr lang="zh-CN" altLang="en-US" dirty="0">
+                <a:hlinkClick r:id="rId3"/>
+              </a:rPr>
+              <a:t>知乎 </a:t>
+            </a:r>
+            <a:r>
+              <a:rPr lang="en-US" altLang="zh-CN" dirty="0">
+                <a:hlinkClick r:id="rId3"/>
+              </a:rPr>
+              <a:t>(zhihu.com)</a:t>
+            </a:r>
+            <a:r>
+              <a:rPr lang="en-US" altLang="zh-CN" dirty="0">
+                <a:hlinkClick r:id="rId2"/>
+              </a:rPr>
+              <a:t>n)</a:t>
+            </a:r>
+            <a:endParaRPr lang="zh-CN" altLang="en-US" dirty="0"/>
           </a:p>
         </p:txBody>
       </p:sp>
